--- a/デモスライド.pptx
+++ b/デモスライド.pptx
@@ -13,6 +13,14 @@
     <p:sldId id="258" r:id="rId7"/>
     <p:sldId id="262" r:id="rId8"/>
     <p:sldId id="263" r:id="rId9"/>
+    <p:sldId id="266" r:id="rId10"/>
+    <p:sldId id="264" r:id="rId11"/>
+    <p:sldId id="265" r:id="rId12"/>
+    <p:sldId id="267" r:id="rId13"/>
+    <p:sldId id="268" r:id="rId14"/>
+    <p:sldId id="269" r:id="rId15"/>
+    <p:sldId id="270" r:id="rId16"/>
+    <p:sldId id="271" r:id="rId17"/>
   </p:sldIdLst>
   <p:sldSz cx="12192000" cy="6858000"/>
   <p:notesSz cx="6858000" cy="9144000"/>
@@ -3674,6 +3682,1386 @@
     <p:extLst>
       <p:ext uri="{BB962C8B-B14F-4D97-AF65-F5344CB8AC3E}">
         <p14:creationId xmlns:p14="http://schemas.microsoft.com/office/powerpoint/2010/main" val="1028476701"/>
+      </p:ext>
+    </p:extLst>
+  </p:cSld>
+  <p:clrMapOvr>
+    <a:masterClrMapping/>
+  </p:clrMapOvr>
+</p:sld>
+</file>
+
+<file path=ppt/slides/slide10.xml><?xml version="1.0" encoding="utf-8"?>
+<p:sld xmlns:a="http://schemas.openxmlformats.org/drawingml/2006/main" xmlns:r="http://schemas.openxmlformats.org/officeDocument/2006/relationships" xmlns:p="http://schemas.openxmlformats.org/presentationml/2006/main">
+  <p:cSld>
+    <p:spTree>
+      <p:nvGrpSpPr>
+        <p:cNvPr id="1" name=""/>
+        <p:cNvGrpSpPr/>
+        <p:nvPr/>
+      </p:nvGrpSpPr>
+      <p:grpSpPr>
+        <a:xfrm>
+          <a:off x="0" y="0"/>
+          <a:ext cx="0" cy="0"/>
+          <a:chOff x="0" y="0"/>
+          <a:chExt cx="0" cy="0"/>
+        </a:xfrm>
+      </p:grpSpPr>
+      <p:sp>
+        <p:nvSpPr>
+          <p:cNvPr id="2" name="タイトル 1">
+            <a:extLst>
+              <a:ext uri="{FF2B5EF4-FFF2-40B4-BE49-F238E27FC236}">
+                <a16:creationId xmlns:a16="http://schemas.microsoft.com/office/drawing/2014/main" id="{0FDFFA14-DFB3-D440-0846-FD62686EA4C1}"/>
+              </a:ext>
+            </a:extLst>
+          </p:cNvPr>
+          <p:cNvSpPr>
+            <a:spLocks noGrp="1"/>
+          </p:cNvSpPr>
+          <p:nvPr>
+            <p:ph type="title"/>
+          </p:nvPr>
+        </p:nvSpPr>
+        <p:spPr/>
+        <p:txBody>
+          <a:bodyPr/>
+          <a:lstStyle/>
+          <a:p>
+            <a:r>
+              <a:rPr kumimoji="1" lang="ja-JP" altLang="en-US" dirty="0"/>
+              <a:t>コンビネーションカーネル結果</a:t>
+            </a:r>
+          </a:p>
+        </p:txBody>
+      </p:sp>
+      <p:pic>
+        <p:nvPicPr>
+          <p:cNvPr id="5" name="コンテンツ プレースホルダー 4">
+            <a:extLst>
+              <a:ext uri="{FF2B5EF4-FFF2-40B4-BE49-F238E27FC236}">
+                <a16:creationId xmlns:a16="http://schemas.microsoft.com/office/drawing/2014/main" id="{D1A3F8E5-7036-1DBF-E427-CA1E88E98274}"/>
+              </a:ext>
+            </a:extLst>
+          </p:cNvPr>
+          <p:cNvPicPr>
+            <a:picLocks noGrp="1" noChangeAspect="1"/>
+          </p:cNvPicPr>
+          <p:nvPr>
+            <p:ph idx="1"/>
+          </p:nvPr>
+        </p:nvPicPr>
+        <p:blipFill>
+          <a:blip r:embed="rId2"/>
+          <a:stretch>
+            <a:fillRect/>
+          </a:stretch>
+        </p:blipFill>
+        <p:spPr>
+          <a:xfrm>
+            <a:off x="3911487" y="1825625"/>
+            <a:ext cx="4369026" cy="4351338"/>
+          </a:xfrm>
+        </p:spPr>
+      </p:pic>
+    </p:spTree>
+    <p:extLst>
+      <p:ext uri="{BB962C8B-B14F-4D97-AF65-F5344CB8AC3E}">
+        <p14:creationId xmlns:p14="http://schemas.microsoft.com/office/powerpoint/2010/main" val="306982763"/>
+      </p:ext>
+    </p:extLst>
+  </p:cSld>
+  <p:clrMapOvr>
+    <a:masterClrMapping/>
+  </p:clrMapOvr>
+</p:sld>
+</file>
+
+<file path=ppt/slides/slide11.xml><?xml version="1.0" encoding="utf-8"?>
+<p:sld xmlns:a="http://schemas.openxmlformats.org/drawingml/2006/main" xmlns:r="http://schemas.openxmlformats.org/officeDocument/2006/relationships" xmlns:p="http://schemas.openxmlformats.org/presentationml/2006/main">
+  <p:cSld>
+    <p:spTree>
+      <p:nvGrpSpPr>
+        <p:cNvPr id="1" name=""/>
+        <p:cNvGrpSpPr/>
+        <p:nvPr/>
+      </p:nvGrpSpPr>
+      <p:grpSpPr>
+        <a:xfrm>
+          <a:off x="0" y="0"/>
+          <a:ext cx="0" cy="0"/>
+          <a:chOff x="0" y="0"/>
+          <a:chExt cx="0" cy="0"/>
+        </a:xfrm>
+      </p:grpSpPr>
+      <p:sp>
+        <p:nvSpPr>
+          <p:cNvPr id="2" name="タイトル 1">
+            <a:extLst>
+              <a:ext uri="{FF2B5EF4-FFF2-40B4-BE49-F238E27FC236}">
+                <a16:creationId xmlns:a16="http://schemas.microsoft.com/office/drawing/2014/main" id="{2C6694AB-DB7B-5531-43E7-5CE62CDD08EA}"/>
+              </a:ext>
+            </a:extLst>
+          </p:cNvPr>
+          <p:cNvSpPr>
+            <a:spLocks noGrp="1"/>
+          </p:cNvSpPr>
+          <p:nvPr>
+            <p:ph type="title"/>
+          </p:nvPr>
+        </p:nvSpPr>
+        <p:spPr/>
+        <p:txBody>
+          <a:bodyPr/>
+          <a:lstStyle/>
+          <a:p>
+            <a:r>
+              <a:rPr kumimoji="1" lang="ja-JP" altLang="en-US" dirty="0"/>
+              <a:t>手動重み付きカーネル</a:t>
+            </a:r>
+          </a:p>
+        </p:txBody>
+      </p:sp>
+      <p:sp>
+        <p:nvSpPr>
+          <p:cNvPr id="3" name="コンテンツ プレースホルダー 2">
+            <a:extLst>
+              <a:ext uri="{FF2B5EF4-FFF2-40B4-BE49-F238E27FC236}">
+                <a16:creationId xmlns:a16="http://schemas.microsoft.com/office/drawing/2014/main" id="{B5B297F1-A0E8-4B42-7E67-47EF6F4F2E2D}"/>
+              </a:ext>
+            </a:extLst>
+          </p:cNvPr>
+          <p:cNvSpPr>
+            <a:spLocks noGrp="1"/>
+          </p:cNvSpPr>
+          <p:nvPr>
+            <p:ph idx="1"/>
+          </p:nvPr>
+        </p:nvSpPr>
+        <p:spPr/>
+        <p:txBody>
+          <a:bodyPr/>
+          <a:lstStyle/>
+          <a:p>
+            <a:r>
+              <a:rPr kumimoji="1" lang="ja-JP" altLang="en-US" dirty="0"/>
+              <a:t>平均ではなく、手動で重みを設定する。</a:t>
+            </a:r>
+            <a:endParaRPr kumimoji="1" lang="en-US" altLang="ja-JP" dirty="0"/>
+          </a:p>
+          <a:p>
+            <a:r>
+              <a:rPr lang="ja-JP" altLang="en-US" dirty="0"/>
+              <a:t>どのカーネルが重要かを自分で考える必要がある</a:t>
+            </a:r>
+            <a:endParaRPr lang="en-US" altLang="ja-JP" dirty="0"/>
+          </a:p>
+          <a:p>
+            <a:endParaRPr kumimoji="1" lang="en-US" altLang="ja-JP" dirty="0"/>
+          </a:p>
+          <a:p>
+            <a:r>
+              <a:rPr lang="ja-JP" altLang="en-US" dirty="0"/>
+              <a:t>次の例では、線形を</a:t>
+            </a:r>
+            <a:r>
+              <a:rPr lang="en-US" altLang="ja-JP" dirty="0"/>
+              <a:t>0.9</a:t>
+            </a:r>
+            <a:r>
+              <a:rPr lang="ja-JP" altLang="en-US" dirty="0"/>
+              <a:t>、</a:t>
+            </a:r>
+            <a:r>
+              <a:rPr lang="en-US" altLang="ja-JP" dirty="0"/>
+              <a:t>0.99</a:t>
+            </a:r>
+            <a:r>
+              <a:rPr lang="ja-JP" altLang="en-US" dirty="0"/>
+              <a:t>として設定</a:t>
+            </a:r>
+            <a:endParaRPr lang="en-US" altLang="ja-JP" dirty="0"/>
+          </a:p>
+          <a:p>
+            <a:r>
+              <a:rPr kumimoji="1" lang="ja-JP" altLang="en-US" dirty="0"/>
+              <a:t>→直線要素が強くなる</a:t>
+            </a:r>
+          </a:p>
+        </p:txBody>
+      </p:sp>
+    </p:spTree>
+    <p:extLst>
+      <p:ext uri="{BB962C8B-B14F-4D97-AF65-F5344CB8AC3E}">
+        <p14:creationId xmlns:p14="http://schemas.microsoft.com/office/powerpoint/2010/main" val="2707682255"/>
+      </p:ext>
+    </p:extLst>
+  </p:cSld>
+  <p:clrMapOvr>
+    <a:masterClrMapping/>
+  </p:clrMapOvr>
+</p:sld>
+</file>
+
+<file path=ppt/slides/slide12.xml><?xml version="1.0" encoding="utf-8"?>
+<p:sld xmlns:a="http://schemas.openxmlformats.org/drawingml/2006/main" xmlns:r="http://schemas.openxmlformats.org/officeDocument/2006/relationships" xmlns:p="http://schemas.openxmlformats.org/presentationml/2006/main">
+  <p:cSld>
+    <p:bg>
+      <p:bgPr>
+        <a:solidFill>
+          <a:schemeClr val="bg1"/>
+        </a:solidFill>
+        <a:effectLst/>
+      </p:bgPr>
+    </p:bg>
+    <p:spTree>
+      <p:nvGrpSpPr>
+        <p:cNvPr id="1" name=""/>
+        <p:cNvGrpSpPr/>
+        <p:nvPr/>
+      </p:nvGrpSpPr>
+      <p:grpSpPr>
+        <a:xfrm>
+          <a:off x="0" y="0"/>
+          <a:ext cx="0" cy="0"/>
+          <a:chOff x="0" y="0"/>
+          <a:chExt cx="0" cy="0"/>
+        </a:xfrm>
+      </p:grpSpPr>
+      <p:sp useBgFill="1">
+        <p:nvSpPr>
+          <p:cNvPr id="12" name="Rectangle 11">
+            <a:extLst>
+              <a:ext uri="{FF2B5EF4-FFF2-40B4-BE49-F238E27FC236}">
+                <a16:creationId xmlns:a16="http://schemas.microsoft.com/office/drawing/2014/main" id="{C4879EFC-8E62-4E00-973C-C45EE9EC676D}"/>
+              </a:ext>
+              <a:ext uri="{C183D7F6-B498-43B3-948B-1728B52AA6E4}">
+                <adec:decorative xmlns:adec="http://schemas.microsoft.com/office/drawing/2017/decorative" val="1"/>
+              </a:ext>
+            </a:extLst>
+          </p:cNvPr>
+          <p:cNvSpPr>
+            <a:spLocks noGrp="1" noRot="1" noChangeAspect="1" noMove="1" noResize="1" noEditPoints="1" noAdjustHandles="1" noChangeArrowheads="1" noChangeShapeType="1" noTextEdit="1"/>
+          </p:cNvSpPr>
+          <p:nvPr>
+            <p:extLst>
+              <p:ext uri="{386F3935-93C4-4BCD-93E2-E3B085C9AB24}">
+                <p16:designElem xmlns:p16="http://schemas.microsoft.com/office/powerpoint/2015/main" val="1"/>
+              </p:ext>
+            </p:extLst>
+          </p:nvPr>
+        </p:nvSpPr>
+        <p:spPr>
+          <a:xfrm>
+            <a:off x="0" y="0"/>
+            <a:ext cx="12188952" cy="6858000"/>
+          </a:xfrm>
+          <a:prstGeom prst="rect">
+            <a:avLst/>
+          </a:prstGeom>
+          <a:ln>
+            <a:noFill/>
+          </a:ln>
+        </p:spPr>
+        <p:style>
+          <a:lnRef idx="2">
+            <a:schemeClr val="accent1">
+              <a:shade val="50000"/>
+            </a:schemeClr>
+          </a:lnRef>
+          <a:fillRef idx="1">
+            <a:schemeClr val="accent1"/>
+          </a:fillRef>
+          <a:effectRef idx="0">
+            <a:schemeClr val="accent1"/>
+          </a:effectRef>
+          <a:fontRef idx="minor">
+            <a:schemeClr val="lt1"/>
+          </a:fontRef>
+        </p:style>
+        <p:txBody>
+          <a:bodyPr rtlCol="0" anchor="ctr"/>
+          <a:lstStyle/>
+          <a:p>
+            <a:pPr algn="ctr"/>
+            <a:endParaRPr lang="en-US"/>
+          </a:p>
+        </p:txBody>
+      </p:sp>
+      <p:sp>
+        <p:nvSpPr>
+          <p:cNvPr id="2" name="タイトル 1">
+            <a:extLst>
+              <a:ext uri="{FF2B5EF4-FFF2-40B4-BE49-F238E27FC236}">
+                <a16:creationId xmlns:a16="http://schemas.microsoft.com/office/drawing/2014/main" id="{978A8CEF-18E0-3EDD-3311-51C60D31F029}"/>
+              </a:ext>
+            </a:extLst>
+          </p:cNvPr>
+          <p:cNvSpPr>
+            <a:spLocks noGrp="1"/>
+          </p:cNvSpPr>
+          <p:nvPr>
+            <p:ph type="title"/>
+          </p:nvPr>
+        </p:nvSpPr>
+        <p:spPr>
+          <a:xfrm>
+            <a:off x="638881" y="457200"/>
+            <a:ext cx="10909640" cy="1368614"/>
+          </a:xfrm>
+        </p:spPr>
+        <p:txBody>
+          <a:bodyPr vert="horz" lIns="91440" tIns="45720" rIns="91440" bIns="45720" rtlCol="0" anchor="ctr">
+            <a:normAutofit/>
+          </a:bodyPr>
+          <a:lstStyle/>
+          <a:p>
+            <a:pPr algn="ctr"/>
+            <a:r>
+              <a:rPr kumimoji="1" lang="ja-JP" altLang="en-US" sz="6600"/>
+              <a:t>手動重み結果</a:t>
+            </a:r>
+          </a:p>
+        </p:txBody>
+      </p:sp>
+      <p:sp>
+        <p:nvSpPr>
+          <p:cNvPr id="14" name="sketch line">
+            <a:extLst>
+              <a:ext uri="{FF2B5EF4-FFF2-40B4-BE49-F238E27FC236}">
+                <a16:creationId xmlns:a16="http://schemas.microsoft.com/office/drawing/2014/main" id="{D6A9C53F-5F90-40A5-8C85-5412D39C8C68}"/>
+              </a:ext>
+              <a:ext uri="{C183D7F6-B498-43B3-948B-1728B52AA6E4}">
+                <adec:decorative xmlns:adec="http://schemas.microsoft.com/office/drawing/2017/decorative" val="1"/>
+              </a:ext>
+            </a:extLst>
+          </p:cNvPr>
+          <p:cNvSpPr>
+            <a:spLocks noGrp="1" noRot="1" noChangeAspect="1" noMove="1" noResize="1" noEditPoints="1" noAdjustHandles="1" noChangeArrowheads="1" noChangeShapeType="1" noTextEdit="1"/>
+          </p:cNvSpPr>
+          <p:nvPr>
+            <p:extLst>
+              <p:ext uri="{386F3935-93C4-4BCD-93E2-E3B085C9AB24}">
+                <p16:designElem xmlns:p16="http://schemas.microsoft.com/office/powerpoint/2015/main" val="1"/>
+              </p:ext>
+            </p:extLst>
+          </p:nvPr>
+        </p:nvSpPr>
+        <p:spPr>
+          <a:xfrm>
+            <a:off x="4450080" y="1850683"/>
+            <a:ext cx="3291840" cy="18288"/>
+          </a:xfrm>
+          <a:custGeom>
+            <a:avLst/>
+            <a:gdLst>
+              <a:gd name="connsiteX0" fmla="*/ 0 w 3291840"/>
+              <a:gd name="connsiteY0" fmla="*/ 0 h 18288"/>
+              <a:gd name="connsiteX1" fmla="*/ 658368 w 3291840"/>
+              <a:gd name="connsiteY1" fmla="*/ 0 h 18288"/>
+              <a:gd name="connsiteX2" fmla="*/ 1283818 w 3291840"/>
+              <a:gd name="connsiteY2" fmla="*/ 0 h 18288"/>
+              <a:gd name="connsiteX3" fmla="*/ 1909267 w 3291840"/>
+              <a:gd name="connsiteY3" fmla="*/ 0 h 18288"/>
+              <a:gd name="connsiteX4" fmla="*/ 2633472 w 3291840"/>
+              <a:gd name="connsiteY4" fmla="*/ 0 h 18288"/>
+              <a:gd name="connsiteX5" fmla="*/ 3291840 w 3291840"/>
+              <a:gd name="connsiteY5" fmla="*/ 0 h 18288"/>
+              <a:gd name="connsiteX6" fmla="*/ 3291840 w 3291840"/>
+              <a:gd name="connsiteY6" fmla="*/ 18288 h 18288"/>
+              <a:gd name="connsiteX7" fmla="*/ 2633472 w 3291840"/>
+              <a:gd name="connsiteY7" fmla="*/ 18288 h 18288"/>
+              <a:gd name="connsiteX8" fmla="*/ 2073859 w 3291840"/>
+              <a:gd name="connsiteY8" fmla="*/ 18288 h 18288"/>
+              <a:gd name="connsiteX9" fmla="*/ 1448410 w 3291840"/>
+              <a:gd name="connsiteY9" fmla="*/ 18288 h 18288"/>
+              <a:gd name="connsiteX10" fmla="*/ 822960 w 3291840"/>
+              <a:gd name="connsiteY10" fmla="*/ 18288 h 18288"/>
+              <a:gd name="connsiteX11" fmla="*/ 0 w 3291840"/>
+              <a:gd name="connsiteY11" fmla="*/ 18288 h 18288"/>
+              <a:gd name="connsiteX12" fmla="*/ 0 w 3291840"/>
+              <a:gd name="connsiteY12" fmla="*/ 0 h 18288"/>
+            </a:gdLst>
+            <a:ahLst/>
+            <a:cxnLst>
+              <a:cxn ang="0">
+                <a:pos x="connsiteX0" y="connsiteY0"/>
+              </a:cxn>
+              <a:cxn ang="0">
+                <a:pos x="connsiteX1" y="connsiteY1"/>
+              </a:cxn>
+              <a:cxn ang="0">
+                <a:pos x="connsiteX2" y="connsiteY2"/>
+              </a:cxn>
+              <a:cxn ang="0">
+                <a:pos x="connsiteX3" y="connsiteY3"/>
+              </a:cxn>
+              <a:cxn ang="0">
+                <a:pos x="connsiteX4" y="connsiteY4"/>
+              </a:cxn>
+              <a:cxn ang="0">
+                <a:pos x="connsiteX5" y="connsiteY5"/>
+              </a:cxn>
+              <a:cxn ang="0">
+                <a:pos x="connsiteX6" y="connsiteY6"/>
+              </a:cxn>
+              <a:cxn ang="0">
+                <a:pos x="connsiteX7" y="connsiteY7"/>
+              </a:cxn>
+              <a:cxn ang="0">
+                <a:pos x="connsiteX8" y="connsiteY8"/>
+              </a:cxn>
+              <a:cxn ang="0">
+                <a:pos x="connsiteX9" y="connsiteY9"/>
+              </a:cxn>
+              <a:cxn ang="0">
+                <a:pos x="connsiteX10" y="connsiteY10"/>
+              </a:cxn>
+              <a:cxn ang="0">
+                <a:pos x="connsiteX11" y="connsiteY11"/>
+              </a:cxn>
+              <a:cxn ang="0">
+                <a:pos x="connsiteX12" y="connsiteY12"/>
+              </a:cxn>
+            </a:cxnLst>
+            <a:rect l="l" t="t" r="r" b="b"/>
+            <a:pathLst>
+              <a:path w="3291840" h="18288" fill="none" extrusionOk="0">
+                <a:moveTo>
+                  <a:pt x="0" y="0"/>
+                </a:moveTo>
+                <a:cubicBezTo>
+                  <a:pt x="173077" y="-20031"/>
+                  <a:pt x="443104" y="6424"/>
+                  <a:pt x="658368" y="0"/>
+                </a:cubicBezTo>
+                <a:cubicBezTo>
+                  <a:pt x="873632" y="-6424"/>
+                  <a:pt x="1034028" y="11764"/>
+                  <a:pt x="1283818" y="0"/>
+                </a:cubicBezTo>
+                <a:cubicBezTo>
+                  <a:pt x="1533608" y="-11764"/>
+                  <a:pt x="1691227" y="-30112"/>
+                  <a:pt x="1909267" y="0"/>
+                </a:cubicBezTo>
+                <a:cubicBezTo>
+                  <a:pt x="2127307" y="30112"/>
+                  <a:pt x="2272465" y="-18735"/>
+                  <a:pt x="2633472" y="0"/>
+                </a:cubicBezTo>
+                <a:cubicBezTo>
+                  <a:pt x="2994479" y="18735"/>
+                  <a:pt x="3023324" y="-32030"/>
+                  <a:pt x="3291840" y="0"/>
+                </a:cubicBezTo>
+                <a:cubicBezTo>
+                  <a:pt x="3291406" y="7551"/>
+                  <a:pt x="3291373" y="9822"/>
+                  <a:pt x="3291840" y="18288"/>
+                </a:cubicBezTo>
+                <a:cubicBezTo>
+                  <a:pt x="3048445" y="38989"/>
+                  <a:pt x="2846548" y="-14400"/>
+                  <a:pt x="2633472" y="18288"/>
+                </a:cubicBezTo>
+                <a:cubicBezTo>
+                  <a:pt x="2420396" y="50976"/>
+                  <a:pt x="2304099" y="6336"/>
+                  <a:pt x="2073859" y="18288"/>
+                </a:cubicBezTo>
+                <a:cubicBezTo>
+                  <a:pt x="1843619" y="30240"/>
+                  <a:pt x="1706926" y="10778"/>
+                  <a:pt x="1448410" y="18288"/>
+                </a:cubicBezTo>
+                <a:cubicBezTo>
+                  <a:pt x="1189894" y="25798"/>
+                  <a:pt x="1002278" y="8992"/>
+                  <a:pt x="822960" y="18288"/>
+                </a:cubicBezTo>
+                <a:cubicBezTo>
+                  <a:pt x="643642" y="27585"/>
+                  <a:pt x="307039" y="38051"/>
+                  <a:pt x="0" y="18288"/>
+                </a:cubicBezTo>
+                <a:cubicBezTo>
+                  <a:pt x="60" y="11696"/>
+                  <a:pt x="66" y="3758"/>
+                  <a:pt x="0" y="0"/>
+                </a:cubicBezTo>
+                <a:close/>
+              </a:path>
+              <a:path w="3291840" h="18288" stroke="0" extrusionOk="0">
+                <a:moveTo>
+                  <a:pt x="0" y="0"/>
+                </a:moveTo>
+                <a:cubicBezTo>
+                  <a:pt x="195850" y="28018"/>
+                  <a:pt x="434891" y="17390"/>
+                  <a:pt x="592531" y="0"/>
+                </a:cubicBezTo>
+                <a:cubicBezTo>
+                  <a:pt x="750171" y="-17390"/>
+                  <a:pt x="1018709" y="32200"/>
+                  <a:pt x="1316736" y="0"/>
+                </a:cubicBezTo>
+                <a:cubicBezTo>
+                  <a:pt x="1614763" y="-32200"/>
+                  <a:pt x="1696480" y="-11367"/>
+                  <a:pt x="1876349" y="0"/>
+                </a:cubicBezTo>
+                <a:cubicBezTo>
+                  <a:pt x="2056218" y="11367"/>
+                  <a:pt x="2193364" y="13433"/>
+                  <a:pt x="2435962" y="0"/>
+                </a:cubicBezTo>
+                <a:cubicBezTo>
+                  <a:pt x="2678560" y="-13433"/>
+                  <a:pt x="3010901" y="-42367"/>
+                  <a:pt x="3291840" y="0"/>
+                </a:cubicBezTo>
+                <a:cubicBezTo>
+                  <a:pt x="3291758" y="4406"/>
+                  <a:pt x="3291751" y="9982"/>
+                  <a:pt x="3291840" y="18288"/>
+                </a:cubicBezTo>
+                <a:cubicBezTo>
+                  <a:pt x="3108993" y="14228"/>
+                  <a:pt x="2952658" y="46900"/>
+                  <a:pt x="2666390" y="18288"/>
+                </a:cubicBezTo>
+                <a:cubicBezTo>
+                  <a:pt x="2380122" y="-10324"/>
+                  <a:pt x="2263855" y="41055"/>
+                  <a:pt x="2040941" y="18288"/>
+                </a:cubicBezTo>
+                <a:cubicBezTo>
+                  <a:pt x="1818027" y="-4479"/>
+                  <a:pt x="1675097" y="6509"/>
+                  <a:pt x="1415491" y="18288"/>
+                </a:cubicBezTo>
+                <a:cubicBezTo>
+                  <a:pt x="1155885" y="30068"/>
+                  <a:pt x="852976" y="36210"/>
+                  <a:pt x="691286" y="18288"/>
+                </a:cubicBezTo>
+                <a:cubicBezTo>
+                  <a:pt x="529596" y="366"/>
+                  <a:pt x="187183" y="13912"/>
+                  <a:pt x="0" y="18288"/>
+                </a:cubicBezTo>
+                <a:cubicBezTo>
+                  <a:pt x="189" y="14288"/>
+                  <a:pt x="-703" y="3747"/>
+                  <a:pt x="0" y="0"/>
+                </a:cubicBezTo>
+                <a:close/>
+              </a:path>
+            </a:pathLst>
+          </a:custGeom>
+          <a:solidFill>
+            <a:schemeClr val="accent2"/>
+          </a:solidFill>
+          <a:ln w="41275" cap="rnd">
+            <a:solidFill>
+              <a:schemeClr val="accent2"/>
+            </a:solidFill>
+            <a:round/>
+            <a:extLst>
+              <a:ext uri="{C807C97D-BFC1-408E-A445-0C87EB9F89A2}">
+                <ask:lineSketchStyleProps xmlns:ask="http://schemas.microsoft.com/office/drawing/2018/sketchyshapes" sd="2863741219">
+                  <a:prstGeom prst="rect">
+                    <a:avLst/>
+                  </a:prstGeom>
+                  <ask:type>
+                    <ask:lineSketchFreehand/>
+                  </ask:type>
+                </ask:lineSketchStyleProps>
+              </a:ext>
+            </a:extLst>
+          </a:ln>
+        </p:spPr>
+        <p:style>
+          <a:lnRef idx="2">
+            <a:schemeClr val="accent1">
+              <a:shade val="50000"/>
+            </a:schemeClr>
+          </a:lnRef>
+          <a:fillRef idx="1">
+            <a:schemeClr val="accent1"/>
+          </a:fillRef>
+          <a:effectRef idx="0">
+            <a:schemeClr val="accent1"/>
+          </a:effectRef>
+          <a:fontRef idx="minor">
+            <a:schemeClr val="lt1"/>
+          </a:fontRef>
+        </p:style>
+        <p:txBody>
+          <a:bodyPr rtlCol="0" anchor="ctr"/>
+          <a:lstStyle/>
+          <a:p>
+            <a:pPr algn="ctr"/>
+            <a:endParaRPr lang="en-US"/>
+          </a:p>
+        </p:txBody>
+      </p:sp>
+      <p:pic>
+        <p:nvPicPr>
+          <p:cNvPr id="5" name="コンテンツ プレースホルダー 4" descr="グラフ, 散布図&#10;&#10;AI 生成コンテンツは誤りを含む可能性があります。">
+            <a:extLst>
+              <a:ext uri="{FF2B5EF4-FFF2-40B4-BE49-F238E27FC236}">
+                <a16:creationId xmlns:a16="http://schemas.microsoft.com/office/drawing/2014/main" id="{BD58811F-7AB3-779C-E91B-7B28CA4C4287}"/>
+              </a:ext>
+            </a:extLst>
+          </p:cNvPr>
+          <p:cNvPicPr>
+            <a:picLocks noGrp="1" noChangeAspect="1"/>
+          </p:cNvPicPr>
+          <p:nvPr>
+            <p:ph idx="1"/>
+          </p:nvPr>
+        </p:nvPicPr>
+        <p:blipFill>
+          <a:blip r:embed="rId2"/>
+          <a:stretch>
+            <a:fillRect/>
+          </a:stretch>
+        </p:blipFill>
+        <p:spPr>
+          <a:xfrm>
+            <a:off x="1278128" y="2642616"/>
+            <a:ext cx="3698240" cy="3605784"/>
+          </a:xfrm>
+          <a:prstGeom prst="rect">
+            <a:avLst/>
+          </a:prstGeom>
+        </p:spPr>
+      </p:pic>
+      <p:pic>
+        <p:nvPicPr>
+          <p:cNvPr id="7" name="図 6" descr="グラフ, 散布図&#10;&#10;AI 生成コンテンツは誤りを含む可能性があります。">
+            <a:extLst>
+              <a:ext uri="{FF2B5EF4-FFF2-40B4-BE49-F238E27FC236}">
+                <a16:creationId xmlns:a16="http://schemas.microsoft.com/office/drawing/2014/main" id="{4E92B7B0-C2EE-19D3-3405-C3563A0BACE7}"/>
+              </a:ext>
+            </a:extLst>
+          </p:cNvPr>
+          <p:cNvPicPr>
+            <a:picLocks noChangeAspect="1"/>
+          </p:cNvPicPr>
+          <p:nvPr/>
+        </p:nvPicPr>
+        <p:blipFill>
+          <a:blip r:embed="rId3"/>
+          <a:stretch>
+            <a:fillRect/>
+          </a:stretch>
+        </p:blipFill>
+        <p:spPr>
+          <a:xfrm>
+            <a:off x="7203052" y="2642616"/>
+            <a:ext cx="3717303" cy="3605784"/>
+          </a:xfrm>
+          <a:prstGeom prst="rect">
+            <a:avLst/>
+          </a:prstGeom>
+        </p:spPr>
+      </p:pic>
+    </p:spTree>
+    <p:extLst>
+      <p:ext uri="{BB962C8B-B14F-4D97-AF65-F5344CB8AC3E}">
+        <p14:creationId xmlns:p14="http://schemas.microsoft.com/office/powerpoint/2010/main" val="3975362724"/>
+      </p:ext>
+    </p:extLst>
+  </p:cSld>
+  <p:clrMapOvr>
+    <a:masterClrMapping/>
+  </p:clrMapOvr>
+</p:sld>
+</file>
+
+<file path=ppt/slides/slide13.xml><?xml version="1.0" encoding="utf-8"?>
+<p:sld xmlns:a="http://schemas.openxmlformats.org/drawingml/2006/main" xmlns:r="http://schemas.openxmlformats.org/officeDocument/2006/relationships" xmlns:p="http://schemas.openxmlformats.org/presentationml/2006/main">
+  <p:cSld>
+    <p:spTree>
+      <p:nvGrpSpPr>
+        <p:cNvPr id="1" name=""/>
+        <p:cNvGrpSpPr/>
+        <p:nvPr/>
+      </p:nvGrpSpPr>
+      <p:grpSpPr>
+        <a:xfrm>
+          <a:off x="0" y="0"/>
+          <a:ext cx="0" cy="0"/>
+          <a:chOff x="0" y="0"/>
+          <a:chExt cx="0" cy="0"/>
+        </a:xfrm>
+      </p:grpSpPr>
+      <p:sp>
+        <p:nvSpPr>
+          <p:cNvPr id="2" name="タイトル 1">
+            <a:extLst>
+              <a:ext uri="{FF2B5EF4-FFF2-40B4-BE49-F238E27FC236}">
+                <a16:creationId xmlns:a16="http://schemas.microsoft.com/office/drawing/2014/main" id="{D45D1874-F860-E8F1-0036-F068CCA6AD38}"/>
+              </a:ext>
+            </a:extLst>
+          </p:cNvPr>
+          <p:cNvSpPr>
+            <a:spLocks noGrp="1"/>
+          </p:cNvSpPr>
+          <p:nvPr>
+            <p:ph type="title"/>
+          </p:nvPr>
+        </p:nvSpPr>
+        <p:spPr/>
+        <p:txBody>
+          <a:bodyPr/>
+          <a:lstStyle/>
+          <a:p>
+            <a:r>
+              <a:rPr kumimoji="1" lang="ja-JP" altLang="en-US" dirty="0"/>
+              <a:t>自動重み最適化について</a:t>
+            </a:r>
+          </a:p>
+        </p:txBody>
+      </p:sp>
+      <p:sp>
+        <p:nvSpPr>
+          <p:cNvPr id="3" name="コンテンツ プレースホルダー 2">
+            <a:extLst>
+              <a:ext uri="{FF2B5EF4-FFF2-40B4-BE49-F238E27FC236}">
+                <a16:creationId xmlns:a16="http://schemas.microsoft.com/office/drawing/2014/main" id="{24C92A32-704F-4BAB-5E03-62696344AFD8}"/>
+              </a:ext>
+            </a:extLst>
+          </p:cNvPr>
+          <p:cNvSpPr>
+            <a:spLocks noGrp="1"/>
+          </p:cNvSpPr>
+          <p:nvPr>
+            <p:ph idx="1"/>
+          </p:nvPr>
+        </p:nvSpPr>
+        <p:spPr/>
+        <p:txBody>
+          <a:bodyPr/>
+          <a:lstStyle/>
+          <a:p>
+            <a:r>
+              <a:rPr kumimoji="1" lang="ja-JP" altLang="en-US" dirty="0"/>
+              <a:t>重みを手動→自動で選択したい</a:t>
+            </a:r>
+            <a:endParaRPr kumimoji="1" lang="en-US" altLang="ja-JP" dirty="0"/>
+          </a:p>
+          <a:p>
+            <a:r>
+              <a:rPr lang="ja-JP" altLang="en-US" dirty="0"/>
+              <a:t>→通常の</a:t>
+            </a:r>
+            <a:r>
+              <a:rPr lang="en-US" altLang="ja-JP" dirty="0"/>
+              <a:t>α</a:t>
+            </a:r>
+            <a:r>
+              <a:rPr lang="ja-JP" altLang="en-US" dirty="0"/>
+              <a:t>の最適化＋重みｗの最適化</a:t>
+            </a:r>
+            <a:endParaRPr kumimoji="1" lang="en-US" altLang="ja-JP" dirty="0"/>
+          </a:p>
+          <a:p>
+            <a:r>
+              <a:rPr lang="ja-JP" altLang="en-US" dirty="0"/>
+              <a:t>→同時最適化問題</a:t>
+            </a:r>
+            <a:endParaRPr kumimoji="1" lang="en-US" altLang="ja-JP" dirty="0"/>
+          </a:p>
+          <a:p>
+            <a:r>
+              <a:rPr kumimoji="1" lang="en-US" altLang="ja-JP" dirty="0"/>
+              <a:t>MKL</a:t>
+            </a:r>
+            <a:r>
+              <a:rPr kumimoji="1" lang="ja-JP" altLang="en-US" dirty="0"/>
+              <a:t>ｐｙというライブラリで計算できる</a:t>
+            </a:r>
+            <a:endParaRPr kumimoji="1" lang="en-US" altLang="ja-JP" dirty="0"/>
+          </a:p>
+          <a:p>
+            <a:endParaRPr lang="en-US" altLang="ja-JP" dirty="0"/>
+          </a:p>
+          <a:p>
+            <a:r>
+              <a:rPr kumimoji="1" lang="ja-JP" altLang="en-US" dirty="0"/>
+              <a:t>簡単な流れ</a:t>
+            </a:r>
+            <a:endParaRPr kumimoji="1" lang="en-US" altLang="ja-JP" dirty="0"/>
+          </a:p>
+          <a:p>
+            <a:r>
+              <a:rPr kumimoji="1" lang="ja-JP" altLang="en-US" dirty="0"/>
+              <a:t>Ｗ固定で</a:t>
+            </a:r>
+            <a:r>
+              <a:rPr kumimoji="1" lang="en-US" altLang="ja-JP" dirty="0"/>
+              <a:t>α</a:t>
+            </a:r>
+            <a:r>
+              <a:rPr kumimoji="1" lang="ja-JP" altLang="en-US" dirty="0"/>
+              <a:t>最適化→</a:t>
+            </a:r>
+            <a:r>
+              <a:rPr kumimoji="1" lang="en-US" altLang="ja-JP" dirty="0"/>
+              <a:t>α</a:t>
+            </a:r>
+            <a:r>
+              <a:rPr kumimoji="1" lang="ja-JP" altLang="en-US" dirty="0"/>
+              <a:t>固定でｗ最適化→ｗ固定で、、、</a:t>
+            </a:r>
+          </a:p>
+        </p:txBody>
+      </p:sp>
+    </p:spTree>
+    <p:extLst>
+      <p:ext uri="{BB962C8B-B14F-4D97-AF65-F5344CB8AC3E}">
+        <p14:creationId xmlns:p14="http://schemas.microsoft.com/office/powerpoint/2010/main" val="238964101"/>
+      </p:ext>
+    </p:extLst>
+  </p:cSld>
+  <p:clrMapOvr>
+    <a:masterClrMapping/>
+  </p:clrMapOvr>
+</p:sld>
+</file>
+
+<file path=ppt/slides/slide14.xml><?xml version="1.0" encoding="utf-8"?>
+<p:sld xmlns:a="http://schemas.openxmlformats.org/drawingml/2006/main" xmlns:r="http://schemas.openxmlformats.org/officeDocument/2006/relationships" xmlns:p="http://schemas.openxmlformats.org/presentationml/2006/main">
+  <p:cSld>
+    <p:spTree>
+      <p:nvGrpSpPr>
+        <p:cNvPr id="1" name=""/>
+        <p:cNvGrpSpPr/>
+        <p:nvPr/>
+      </p:nvGrpSpPr>
+      <p:grpSpPr>
+        <a:xfrm>
+          <a:off x="0" y="0"/>
+          <a:ext cx="0" cy="0"/>
+          <a:chOff x="0" y="0"/>
+          <a:chExt cx="0" cy="0"/>
+        </a:xfrm>
+      </p:grpSpPr>
+      <p:sp>
+        <p:nvSpPr>
+          <p:cNvPr id="2" name="タイトル 1">
+            <a:extLst>
+              <a:ext uri="{FF2B5EF4-FFF2-40B4-BE49-F238E27FC236}">
+                <a16:creationId xmlns:a16="http://schemas.microsoft.com/office/drawing/2014/main" id="{ED86FAE0-5BE9-62B2-D159-E5B9038582A7}"/>
+              </a:ext>
+            </a:extLst>
+          </p:cNvPr>
+          <p:cNvSpPr>
+            <a:spLocks noGrp="1"/>
+          </p:cNvSpPr>
+          <p:nvPr>
+            <p:ph type="title"/>
+          </p:nvPr>
+        </p:nvSpPr>
+        <p:spPr/>
+        <p:txBody>
+          <a:bodyPr/>
+          <a:lstStyle/>
+          <a:p>
+            <a:r>
+              <a:rPr kumimoji="1" lang="ja-JP" altLang="en-US" dirty="0"/>
+              <a:t>応用例の試行</a:t>
+            </a:r>
+          </a:p>
+        </p:txBody>
+      </p:sp>
+      <p:sp>
+        <p:nvSpPr>
+          <p:cNvPr id="3" name="コンテンツ プレースホルダー 2">
+            <a:extLst>
+              <a:ext uri="{FF2B5EF4-FFF2-40B4-BE49-F238E27FC236}">
+                <a16:creationId xmlns:a16="http://schemas.microsoft.com/office/drawing/2014/main" id="{BD523259-87EB-C3BE-D518-5C0D4363FBA0}"/>
+              </a:ext>
+            </a:extLst>
+          </p:cNvPr>
+          <p:cNvSpPr>
+            <a:spLocks noGrp="1"/>
+          </p:cNvSpPr>
+          <p:nvPr>
+            <p:ph idx="1"/>
+          </p:nvPr>
+        </p:nvSpPr>
+        <p:spPr>
+          <a:xfrm>
+            <a:off x="838200" y="1520825"/>
+            <a:ext cx="10515600" cy="4351338"/>
+          </a:xfrm>
+        </p:spPr>
+        <p:txBody>
+          <a:bodyPr/>
+          <a:lstStyle/>
+          <a:p>
+            <a:r>
+              <a:rPr kumimoji="1" lang="ja-JP" altLang="en-US" dirty="0"/>
+              <a:t>例</a:t>
+            </a:r>
+            <a:r>
+              <a:rPr kumimoji="1" lang="en-US" altLang="ja-JP" dirty="0"/>
+              <a:t>1</a:t>
+            </a:r>
+            <a:r>
+              <a:rPr lang="ja-JP" altLang="en-US" dirty="0"/>
+              <a:t>：手書き数値判別</a:t>
+            </a:r>
+            <a:endParaRPr lang="en-US" altLang="ja-JP" dirty="0"/>
+          </a:p>
+          <a:p>
+            <a:endParaRPr lang="en-US" altLang="ja-JP" dirty="0"/>
+          </a:p>
+          <a:p>
+            <a:r>
+              <a:rPr lang="ja-JP" altLang="en-US" dirty="0"/>
+              <a:t>手書き数値は、ピクセル位置ごとに、色や色の濃さなどが数値で対応</a:t>
+            </a:r>
+            <a:endParaRPr lang="en-US" altLang="ja-JP" dirty="0"/>
+          </a:p>
+          <a:p>
+            <a:r>
+              <a:rPr kumimoji="1" lang="ja-JP" altLang="en-US" dirty="0"/>
+              <a:t>→ピクセル</a:t>
+            </a:r>
+            <a:r>
+              <a:rPr kumimoji="1" lang="en-US" altLang="ja-JP" dirty="0"/>
+              <a:t>(0,0) -&gt; </a:t>
+            </a:r>
+            <a:r>
+              <a:rPr kumimoji="1" lang="ja-JP" altLang="en-US" dirty="0"/>
+              <a:t>濃さ２</a:t>
+            </a:r>
+            <a:endParaRPr kumimoji="1" lang="en-US" altLang="ja-JP" dirty="0"/>
+          </a:p>
+          <a:p>
+            <a:r>
+              <a:rPr kumimoji="1" lang="ja-JP" altLang="en-US" dirty="0"/>
+              <a:t>　ピクセル</a:t>
+            </a:r>
+            <a:r>
+              <a:rPr kumimoji="1" lang="en-US" altLang="ja-JP" dirty="0"/>
+              <a:t>(0,1) -&gt; </a:t>
+            </a:r>
+            <a:r>
+              <a:rPr kumimoji="1" lang="ja-JP" altLang="en-US" dirty="0"/>
+              <a:t>濃さ </a:t>
+            </a:r>
+            <a:r>
+              <a:rPr kumimoji="1" lang="en-US" altLang="ja-JP" dirty="0"/>
+              <a:t>3 ,,,</a:t>
+            </a:r>
+          </a:p>
+          <a:p>
+            <a:pPr marL="0" indent="0">
+              <a:buNone/>
+            </a:pPr>
+            <a:r>
+              <a:rPr lang="ja-JP" altLang="en-US" dirty="0"/>
+              <a:t>そのデータに対して、距離（</a:t>
+            </a:r>
+            <a:r>
+              <a:rPr lang="en-US" altLang="ja-JP" dirty="0"/>
+              <a:t>RBF</a:t>
+            </a:r>
+            <a:r>
+              <a:rPr lang="ja-JP" altLang="en-US" dirty="0"/>
+              <a:t>カーネル）をもとに類似度判定</a:t>
+            </a:r>
+            <a:endParaRPr lang="en-US" altLang="ja-JP" dirty="0"/>
+          </a:p>
+          <a:p>
+            <a:pPr marL="0" indent="0">
+              <a:buNone/>
+            </a:pPr>
+            <a:r>
+              <a:rPr lang="ja-JP" altLang="en-US" dirty="0"/>
+              <a:t>・テストデータは</a:t>
+            </a:r>
+            <a:r>
+              <a:rPr lang="en-US" altLang="ja-JP" dirty="0" err="1"/>
+              <a:t>load_digits</a:t>
+            </a:r>
+            <a:r>
+              <a:rPr lang="en-US" altLang="ja-JP" dirty="0"/>
+              <a:t>(</a:t>
+            </a:r>
+            <a:r>
+              <a:rPr lang="ja-JP" altLang="en-US" dirty="0"/>
+              <a:t>手書きデータのテンプレート）</a:t>
+            </a:r>
+            <a:endParaRPr kumimoji="1" lang="en-US" altLang="ja-JP" dirty="0"/>
+          </a:p>
+        </p:txBody>
+      </p:sp>
+    </p:spTree>
+    <p:extLst>
+      <p:ext uri="{BB962C8B-B14F-4D97-AF65-F5344CB8AC3E}">
+        <p14:creationId xmlns:p14="http://schemas.microsoft.com/office/powerpoint/2010/main" val="2305984262"/>
+      </p:ext>
+    </p:extLst>
+  </p:cSld>
+  <p:clrMapOvr>
+    <a:masterClrMapping/>
+  </p:clrMapOvr>
+</p:sld>
+</file>
+
+<file path=ppt/slides/slide15.xml><?xml version="1.0" encoding="utf-8"?>
+<p:sld xmlns:a="http://schemas.openxmlformats.org/drawingml/2006/main" xmlns:r="http://schemas.openxmlformats.org/officeDocument/2006/relationships" xmlns:p="http://schemas.openxmlformats.org/presentationml/2006/main">
+  <p:cSld>
+    <p:spTree>
+      <p:nvGrpSpPr>
+        <p:cNvPr id="1" name=""/>
+        <p:cNvGrpSpPr/>
+        <p:nvPr/>
+      </p:nvGrpSpPr>
+      <p:grpSpPr>
+        <a:xfrm>
+          <a:off x="0" y="0"/>
+          <a:ext cx="0" cy="0"/>
+          <a:chOff x="0" y="0"/>
+          <a:chExt cx="0" cy="0"/>
+        </a:xfrm>
+      </p:grpSpPr>
+      <p:sp>
+        <p:nvSpPr>
+          <p:cNvPr id="2" name="タイトル 1">
+            <a:extLst>
+              <a:ext uri="{FF2B5EF4-FFF2-40B4-BE49-F238E27FC236}">
+                <a16:creationId xmlns:a16="http://schemas.microsoft.com/office/drawing/2014/main" id="{7F2025D9-2A6A-96BD-C521-0DC81AEBA3E5}"/>
+              </a:ext>
+            </a:extLst>
+          </p:cNvPr>
+          <p:cNvSpPr>
+            <a:spLocks noGrp="1"/>
+          </p:cNvSpPr>
+          <p:nvPr>
+            <p:ph type="title"/>
+          </p:nvPr>
+        </p:nvSpPr>
+        <p:spPr/>
+        <p:txBody>
+          <a:bodyPr/>
+          <a:lstStyle/>
+          <a:p>
+            <a:r>
+              <a:rPr kumimoji="1" lang="ja-JP" altLang="en-US" dirty="0"/>
+              <a:t>手書き数値判定例</a:t>
+            </a:r>
+          </a:p>
+        </p:txBody>
+      </p:sp>
+      <p:pic>
+        <p:nvPicPr>
+          <p:cNvPr id="5" name="コンテンツ プレースホルダー 4">
+            <a:extLst>
+              <a:ext uri="{FF2B5EF4-FFF2-40B4-BE49-F238E27FC236}">
+                <a16:creationId xmlns:a16="http://schemas.microsoft.com/office/drawing/2014/main" id="{74EB1EF7-E4B2-734A-7E54-B17891CA77A7}"/>
+              </a:ext>
+            </a:extLst>
+          </p:cNvPr>
+          <p:cNvPicPr>
+            <a:picLocks noGrp="1" noChangeAspect="1"/>
+          </p:cNvPicPr>
+          <p:nvPr>
+            <p:ph idx="1"/>
+          </p:nvPr>
+        </p:nvPicPr>
+        <p:blipFill>
+          <a:blip r:embed="rId2"/>
+          <a:stretch>
+            <a:fillRect/>
+          </a:stretch>
+        </p:blipFill>
+        <p:spPr>
+          <a:xfrm>
+            <a:off x="577329" y="1866682"/>
+            <a:ext cx="2162477" cy="3162741"/>
+          </a:xfrm>
+        </p:spPr>
+      </p:pic>
+      <p:pic>
+        <p:nvPicPr>
+          <p:cNvPr id="7" name="図 6">
+            <a:extLst>
+              <a:ext uri="{FF2B5EF4-FFF2-40B4-BE49-F238E27FC236}">
+                <a16:creationId xmlns:a16="http://schemas.microsoft.com/office/drawing/2014/main" id="{116F4D27-19BA-9DA3-0EB3-5C559322903A}"/>
+              </a:ext>
+            </a:extLst>
+          </p:cNvPr>
+          <p:cNvPicPr>
+            <a:picLocks noChangeAspect="1"/>
+          </p:cNvPicPr>
+          <p:nvPr/>
+        </p:nvPicPr>
+        <p:blipFill>
+          <a:blip r:embed="rId3"/>
+          <a:stretch>
+            <a:fillRect/>
+          </a:stretch>
+        </p:blipFill>
+        <p:spPr>
+          <a:xfrm>
+            <a:off x="2879400" y="1828576"/>
+            <a:ext cx="2057687" cy="3143689"/>
+          </a:xfrm>
+          <a:prstGeom prst="rect">
+            <a:avLst/>
+          </a:prstGeom>
+        </p:spPr>
+      </p:pic>
+      <p:pic>
+        <p:nvPicPr>
+          <p:cNvPr id="9" name="図 8">
+            <a:extLst>
+              <a:ext uri="{FF2B5EF4-FFF2-40B4-BE49-F238E27FC236}">
+                <a16:creationId xmlns:a16="http://schemas.microsoft.com/office/drawing/2014/main" id="{AFC0580E-435E-7A1B-FFF4-CC8011463538}"/>
+              </a:ext>
+            </a:extLst>
+          </p:cNvPr>
+          <p:cNvPicPr>
+            <a:picLocks noChangeAspect="1"/>
+          </p:cNvPicPr>
+          <p:nvPr/>
+        </p:nvPicPr>
+        <p:blipFill>
+          <a:blip r:embed="rId4"/>
+          <a:stretch>
+            <a:fillRect/>
+          </a:stretch>
+        </p:blipFill>
+        <p:spPr>
+          <a:xfrm>
+            <a:off x="5216280" y="1799996"/>
+            <a:ext cx="2038635" cy="3200847"/>
+          </a:xfrm>
+          <a:prstGeom prst="rect">
+            <a:avLst/>
+          </a:prstGeom>
+        </p:spPr>
+      </p:pic>
+      <p:sp>
+        <p:nvSpPr>
+          <p:cNvPr id="10" name="吹き出し: 四角形 9">
+            <a:extLst>
+              <a:ext uri="{FF2B5EF4-FFF2-40B4-BE49-F238E27FC236}">
+                <a16:creationId xmlns:a16="http://schemas.microsoft.com/office/drawing/2014/main" id="{F7621783-B4A8-BD95-8C75-A5A14B3738B7}"/>
+              </a:ext>
+            </a:extLst>
+          </p:cNvPr>
+          <p:cNvSpPr/>
+          <p:nvPr/>
+        </p:nvSpPr>
+        <p:spPr>
+          <a:xfrm>
+            <a:off x="2370987" y="5148259"/>
+            <a:ext cx="5132200" cy="612648"/>
+          </a:xfrm>
+          <a:prstGeom prst="wedgeRectCallout">
+            <a:avLst>
+              <a:gd name="adj1" fmla="val 8985"/>
+              <a:gd name="adj2" fmla="val -100968"/>
+            </a:avLst>
+          </a:prstGeom>
+        </p:spPr>
+        <p:style>
+          <a:lnRef idx="2">
+            <a:schemeClr val="accent6"/>
+          </a:lnRef>
+          <a:fillRef idx="1">
+            <a:schemeClr val="lt1"/>
+          </a:fillRef>
+          <a:effectRef idx="0">
+            <a:schemeClr val="accent6"/>
+          </a:effectRef>
+          <a:fontRef idx="minor">
+            <a:schemeClr val="dk1"/>
+          </a:fontRef>
+        </p:style>
+        <p:txBody>
+          <a:bodyPr rtlCol="0" anchor="ctr"/>
+          <a:lstStyle/>
+          <a:p>
+            <a:pPr algn="ctr"/>
+            <a:r>
+              <a:rPr kumimoji="1" lang="ja-JP" altLang="en-US" dirty="0"/>
+              <a:t>３は８と塗られる位置が近いので間違いやすい</a:t>
+            </a:r>
+          </a:p>
+        </p:txBody>
+      </p:sp>
+      <p:pic>
+        <p:nvPicPr>
+          <p:cNvPr id="12" name="図 11">
+            <a:extLst>
+              <a:ext uri="{FF2B5EF4-FFF2-40B4-BE49-F238E27FC236}">
+                <a16:creationId xmlns:a16="http://schemas.microsoft.com/office/drawing/2014/main" id="{70F97277-2526-BB0C-D23D-801F86455814}"/>
+              </a:ext>
+            </a:extLst>
+          </p:cNvPr>
+          <p:cNvPicPr>
+            <a:picLocks noChangeAspect="1"/>
+          </p:cNvPicPr>
+          <p:nvPr/>
+        </p:nvPicPr>
+        <p:blipFill>
+          <a:blip r:embed="rId5"/>
+          <a:stretch>
+            <a:fillRect/>
+          </a:stretch>
+        </p:blipFill>
+        <p:spPr>
+          <a:xfrm>
+            <a:off x="7534108" y="1799996"/>
+            <a:ext cx="2010056" cy="3153215"/>
+          </a:xfrm>
+          <a:prstGeom prst="rect">
+            <a:avLst/>
+          </a:prstGeom>
+        </p:spPr>
+      </p:pic>
+    </p:spTree>
+    <p:extLst>
+      <p:ext uri="{BB962C8B-B14F-4D97-AF65-F5344CB8AC3E}">
+        <p14:creationId xmlns:p14="http://schemas.microsoft.com/office/powerpoint/2010/main" val="1051986961"/>
+      </p:ext>
+    </p:extLst>
+  </p:cSld>
+  <p:clrMapOvr>
+    <a:masterClrMapping/>
+  </p:clrMapOvr>
+</p:sld>
+</file>
+
+<file path=ppt/slides/slide16.xml><?xml version="1.0" encoding="utf-8"?>
+<p:sld xmlns:a="http://schemas.openxmlformats.org/drawingml/2006/main" xmlns:r="http://schemas.openxmlformats.org/officeDocument/2006/relationships" xmlns:p="http://schemas.openxmlformats.org/presentationml/2006/main">
+  <p:cSld>
+    <p:spTree>
+      <p:nvGrpSpPr>
+        <p:cNvPr id="1" name=""/>
+        <p:cNvGrpSpPr/>
+        <p:nvPr/>
+      </p:nvGrpSpPr>
+      <p:grpSpPr>
+        <a:xfrm>
+          <a:off x="0" y="0"/>
+          <a:ext cx="0" cy="0"/>
+          <a:chOff x="0" y="0"/>
+          <a:chExt cx="0" cy="0"/>
+        </a:xfrm>
+      </p:grpSpPr>
+      <p:sp>
+        <p:nvSpPr>
+          <p:cNvPr id="2" name="タイトル 1">
+            <a:extLst>
+              <a:ext uri="{FF2B5EF4-FFF2-40B4-BE49-F238E27FC236}">
+                <a16:creationId xmlns:a16="http://schemas.microsoft.com/office/drawing/2014/main" id="{85E84578-7D6B-450A-A384-E7CCB62AF98B}"/>
+              </a:ext>
+            </a:extLst>
+          </p:cNvPr>
+          <p:cNvSpPr>
+            <a:spLocks noGrp="1"/>
+          </p:cNvSpPr>
+          <p:nvPr>
+            <p:ph type="title"/>
+          </p:nvPr>
+        </p:nvSpPr>
+        <p:spPr/>
+        <p:txBody>
+          <a:bodyPr/>
+          <a:lstStyle/>
+          <a:p>
+            <a:r>
+              <a:rPr kumimoji="1" lang="ja-JP" altLang="en-US" dirty="0"/>
+              <a:t>手書き数値判定の問題</a:t>
+            </a:r>
+          </a:p>
+        </p:txBody>
+      </p:sp>
+      <p:sp>
+        <p:nvSpPr>
+          <p:cNvPr id="3" name="コンテンツ プレースホルダー 2">
+            <a:extLst>
+              <a:ext uri="{FF2B5EF4-FFF2-40B4-BE49-F238E27FC236}">
+                <a16:creationId xmlns:a16="http://schemas.microsoft.com/office/drawing/2014/main" id="{6BBE52A2-5E96-7BC4-9432-000F965933FC}"/>
+              </a:ext>
+            </a:extLst>
+          </p:cNvPr>
+          <p:cNvSpPr>
+            <a:spLocks noGrp="1"/>
+          </p:cNvSpPr>
+          <p:nvPr>
+            <p:ph idx="1"/>
+          </p:nvPr>
+        </p:nvSpPr>
+        <p:spPr/>
+        <p:txBody>
+          <a:bodyPr/>
+          <a:lstStyle/>
+          <a:p>
+            <a:r>
+              <a:rPr kumimoji="1" lang="ja-JP" altLang="en-US" dirty="0"/>
+              <a:t>黒ピクセルの位置で判断してるので、中央に書かないと正しく判定されない</a:t>
+            </a:r>
+            <a:endParaRPr kumimoji="1" lang="en-US" altLang="ja-JP" dirty="0"/>
+          </a:p>
+          <a:p>
+            <a:r>
+              <a:rPr lang="ja-JP" altLang="en-US" dirty="0"/>
+              <a:t>→対策：中央になるようにトリミングする</a:t>
+            </a:r>
+            <a:endParaRPr kumimoji="1" lang="en-US" altLang="ja-JP" dirty="0"/>
+          </a:p>
+          <a:p>
+            <a:r>
+              <a:rPr lang="ja-JP" altLang="en-US" dirty="0"/>
+              <a:t>似ている文字はかなり間違いやすい</a:t>
+            </a:r>
+            <a:endParaRPr lang="en-US" altLang="ja-JP" dirty="0"/>
+          </a:p>
+          <a:p>
+            <a:r>
+              <a:rPr kumimoji="1" lang="ja-JP" altLang="en-US" dirty="0"/>
+              <a:t>→３と８は「左の部分が繋がっているかどうか」などをデータとしてとらえることができたら精度上がりそう</a:t>
+            </a:r>
+            <a:endParaRPr kumimoji="1" lang="en-US" altLang="ja-JP" dirty="0"/>
+          </a:p>
+          <a:p>
+            <a:endParaRPr kumimoji="1" lang="en-US" altLang="ja-JP" dirty="0"/>
+          </a:p>
+          <a:p>
+            <a:r>
+              <a:rPr lang="ja-JP" altLang="en-US" dirty="0"/>
+              <a:t>さらに精度を上げたければ</a:t>
+            </a:r>
+            <a:r>
+              <a:rPr lang="en-US" altLang="ja-JP" dirty="0"/>
+              <a:t>CNN</a:t>
+            </a:r>
+            <a:r>
+              <a:rPr lang="ja-JP" altLang="en-US" dirty="0"/>
+              <a:t>を用いるのがよさそう</a:t>
+            </a:r>
+            <a:endParaRPr kumimoji="1" lang="ja-JP" altLang="en-US" dirty="0"/>
+          </a:p>
+        </p:txBody>
+      </p:sp>
+    </p:spTree>
+    <p:extLst>
+      <p:ext uri="{BB962C8B-B14F-4D97-AF65-F5344CB8AC3E}">
+        <p14:creationId xmlns:p14="http://schemas.microsoft.com/office/powerpoint/2010/main" val="1880178381"/>
       </p:ext>
     </p:extLst>
   </p:cSld>
@@ -7394,7 +8782,10 @@
           <a:bodyPr/>
           <a:lstStyle/>
           <a:p>
-            <a:endParaRPr kumimoji="1" lang="ja-JP" altLang="en-US"/>
+            <a:r>
+              <a:rPr kumimoji="1" lang="ja-JP" altLang="en-US" dirty="0"/>
+              <a:t>カーネル関数の使用例</a:t>
+            </a:r>
           </a:p>
         </p:txBody>
       </p:sp>
@@ -7414,19 +8805,260 @@
             <p:ph idx="1"/>
           </p:nvPr>
         </p:nvSpPr>
-        <p:spPr/>
+        <p:spPr>
+          <a:xfrm>
+            <a:off x="674915" y="1690688"/>
+            <a:ext cx="10515600" cy="4351338"/>
+          </a:xfrm>
+        </p:spPr>
         <p:txBody>
           <a:bodyPr/>
           <a:lstStyle/>
           <a:p>
-            <a:endParaRPr kumimoji="1" lang="ja-JP" altLang="en-US"/>
-          </a:p>
-        </p:txBody>
-      </p:sp>
+            <a:endParaRPr kumimoji="1" lang="en-US" altLang="ja-JP" dirty="0"/>
+          </a:p>
+          <a:p>
+            <a:r>
+              <a:rPr lang="ja-JP" altLang="en-US" dirty="0"/>
+              <a:t>線形の例</a:t>
+            </a:r>
+            <a:endParaRPr lang="en-US" altLang="ja-JP" dirty="0"/>
+          </a:p>
+          <a:p>
+            <a:endParaRPr lang="en-US" altLang="ja-JP" dirty="0"/>
+          </a:p>
+          <a:p>
+            <a:r>
+              <a:rPr lang="en-US" altLang="ja-JP" sz="1800" dirty="0"/>
+              <a:t>x₁ = [1, 2]   y₁ = +1</a:t>
+            </a:r>
+            <a:r>
+              <a:rPr lang="ja-JP" altLang="en-US" sz="1800" dirty="0"/>
+              <a:t>　、　</a:t>
+            </a:r>
+            <a:r>
+              <a:rPr lang="en-US" altLang="ja-JP" sz="1800" dirty="0"/>
+              <a:t>x₂ = [3, 4]   y₂ = -1</a:t>
+            </a:r>
+            <a:r>
+              <a:rPr lang="ja-JP" altLang="en-US" sz="1800" dirty="0"/>
+              <a:t>、　</a:t>
+            </a:r>
+            <a:r>
+              <a:rPr lang="en-US" altLang="ja-JP" sz="1800" dirty="0"/>
+              <a:t>x₃ = [2, 1]   y₃ = +1</a:t>
+            </a:r>
+          </a:p>
+          <a:p>
+            <a:endParaRPr lang="en-US" altLang="ja-JP" sz="1800" dirty="0"/>
+          </a:p>
+          <a:p>
+            <a:endParaRPr lang="en-US" altLang="ja-JP" sz="1800" dirty="0"/>
+          </a:p>
+          <a:p>
+            <a:endParaRPr lang="en-US" altLang="ja-JP" sz="1800" dirty="0"/>
+          </a:p>
+          <a:p>
+            <a:r>
+              <a:rPr lang="en-US" altLang="ja-JP" sz="1800" dirty="0"/>
+              <a:t>α</a:t>
+            </a:r>
+            <a:r>
+              <a:rPr lang="ja-JP" altLang="en-US" sz="1800" dirty="0"/>
+              <a:t>はラグランジュによって決定してるらしい</a:t>
+            </a:r>
+            <a:endParaRPr lang="en-US" altLang="ja-JP" sz="1800" dirty="0"/>
+          </a:p>
+          <a:p>
+            <a:r>
+              <a:rPr lang="ja-JP" altLang="en-US" sz="1800" dirty="0"/>
+              <a:t>内積の結果が大きい→類似度が高い→正</a:t>
+            </a:r>
+            <a:r>
+              <a:rPr lang="en-US" altLang="ja-JP" sz="1800" dirty="0"/>
+              <a:t>or</a:t>
+            </a:r>
+            <a:r>
+              <a:rPr lang="ja-JP" altLang="en-US" sz="1800" dirty="0"/>
+              <a:t>負に大きく影響</a:t>
+            </a:r>
+            <a:endParaRPr lang="en-US" altLang="ja-JP" sz="1800" dirty="0"/>
+          </a:p>
+          <a:p>
+            <a:endParaRPr lang="en-US" altLang="ja-JP" sz="1800" dirty="0"/>
+          </a:p>
+          <a:p>
+            <a:endParaRPr kumimoji="1" lang="ja-JP" altLang="en-US" dirty="0"/>
+          </a:p>
+        </p:txBody>
+      </p:sp>
+      <p:pic>
+        <p:nvPicPr>
+          <p:cNvPr id="6" name="図 5">
+            <a:extLst>
+              <a:ext uri="{FF2B5EF4-FFF2-40B4-BE49-F238E27FC236}">
+                <a16:creationId xmlns:a16="http://schemas.microsoft.com/office/drawing/2014/main" id="{CF2286F3-CB62-C779-2A79-35096DE558D8}"/>
+              </a:ext>
+            </a:extLst>
+          </p:cNvPr>
+          <p:cNvPicPr>
+            <a:picLocks noChangeAspect="1"/>
+          </p:cNvPicPr>
+          <p:nvPr/>
+        </p:nvPicPr>
+        <p:blipFill>
+          <a:blip r:embed="rId2"/>
+          <a:stretch>
+            <a:fillRect/>
+          </a:stretch>
+        </p:blipFill>
+        <p:spPr>
+          <a:xfrm>
+            <a:off x="996933" y="2623383"/>
+            <a:ext cx="3038899" cy="533474"/>
+          </a:xfrm>
+          <a:prstGeom prst="rect">
+            <a:avLst/>
+          </a:prstGeom>
+        </p:spPr>
+      </p:pic>
+      <p:pic>
+        <p:nvPicPr>
+          <p:cNvPr id="8" name="図 7">
+            <a:extLst>
+              <a:ext uri="{FF2B5EF4-FFF2-40B4-BE49-F238E27FC236}">
+                <a16:creationId xmlns:a16="http://schemas.microsoft.com/office/drawing/2014/main" id="{2134FF48-FC4F-1395-E791-F1F5FDB9C5E2}"/>
+              </a:ext>
+            </a:extLst>
+          </p:cNvPr>
+          <p:cNvPicPr>
+            <a:picLocks noChangeAspect="1"/>
+          </p:cNvPicPr>
+          <p:nvPr/>
+        </p:nvPicPr>
+        <p:blipFill>
+          <a:blip r:embed="rId3"/>
+          <a:stretch>
+            <a:fillRect/>
+          </a:stretch>
+        </p:blipFill>
+        <p:spPr>
+          <a:xfrm>
+            <a:off x="674915" y="3701144"/>
+            <a:ext cx="8402223" cy="962159"/>
+          </a:xfrm>
+          <a:prstGeom prst="rect">
+            <a:avLst/>
+          </a:prstGeom>
+        </p:spPr>
+      </p:pic>
     </p:spTree>
     <p:extLst>
       <p:ext uri="{BB962C8B-B14F-4D97-AF65-F5344CB8AC3E}">
         <p14:creationId xmlns:p14="http://schemas.microsoft.com/office/powerpoint/2010/main" val="1611825873"/>
+      </p:ext>
+    </p:extLst>
+  </p:cSld>
+  <p:clrMapOvr>
+    <a:masterClrMapping/>
+  </p:clrMapOvr>
+</p:sld>
+</file>
+
+<file path=ppt/slides/slide9.xml><?xml version="1.0" encoding="utf-8"?>
+<p:sld xmlns:a="http://schemas.openxmlformats.org/drawingml/2006/main" xmlns:r="http://schemas.openxmlformats.org/officeDocument/2006/relationships" xmlns:p="http://schemas.openxmlformats.org/presentationml/2006/main">
+  <p:cSld>
+    <p:spTree>
+      <p:nvGrpSpPr>
+        <p:cNvPr id="1" name=""/>
+        <p:cNvGrpSpPr/>
+        <p:nvPr/>
+      </p:nvGrpSpPr>
+      <p:grpSpPr>
+        <a:xfrm>
+          <a:off x="0" y="0"/>
+          <a:ext cx="0" cy="0"/>
+          <a:chOff x="0" y="0"/>
+          <a:chExt cx="0" cy="0"/>
+        </a:xfrm>
+      </p:grpSpPr>
+      <p:sp>
+        <p:nvSpPr>
+          <p:cNvPr id="2" name="タイトル 1">
+            <a:extLst>
+              <a:ext uri="{FF2B5EF4-FFF2-40B4-BE49-F238E27FC236}">
+                <a16:creationId xmlns:a16="http://schemas.microsoft.com/office/drawing/2014/main" id="{6420FC37-916F-7140-A051-A071FE2B19AE}"/>
+              </a:ext>
+            </a:extLst>
+          </p:cNvPr>
+          <p:cNvSpPr>
+            <a:spLocks noGrp="1"/>
+          </p:cNvSpPr>
+          <p:nvPr>
+            <p:ph type="title"/>
+          </p:nvPr>
+        </p:nvSpPr>
+        <p:spPr/>
+        <p:txBody>
+          <a:bodyPr/>
+          <a:lstStyle/>
+          <a:p>
+            <a:r>
+              <a:rPr kumimoji="1" lang="ja-JP" altLang="en-US" dirty="0"/>
+              <a:t>カーネル平均の意味</a:t>
+            </a:r>
+          </a:p>
+        </p:txBody>
+      </p:sp>
+      <p:sp>
+        <p:nvSpPr>
+          <p:cNvPr id="3" name="コンテンツ プレースホルダー 2">
+            <a:extLst>
+              <a:ext uri="{FF2B5EF4-FFF2-40B4-BE49-F238E27FC236}">
+                <a16:creationId xmlns:a16="http://schemas.microsoft.com/office/drawing/2014/main" id="{4CE883F0-A11C-40B5-2DA5-50E34E7B41A2}"/>
+              </a:ext>
+            </a:extLst>
+          </p:cNvPr>
+          <p:cNvSpPr>
+            <a:spLocks noGrp="1"/>
+          </p:cNvSpPr>
+          <p:nvPr>
+            <p:ph idx="1"/>
+          </p:nvPr>
+        </p:nvSpPr>
+        <p:spPr/>
+        <p:txBody>
+          <a:bodyPr/>
+          <a:lstStyle/>
+          <a:p>
+            <a:r>
+              <a:rPr kumimoji="1" lang="ja-JP" altLang="en-US" dirty="0"/>
+              <a:t>各カーネルで計算する重みは異なる</a:t>
+            </a:r>
+            <a:endParaRPr kumimoji="1" lang="en-US" altLang="ja-JP" dirty="0"/>
+          </a:p>
+          <a:p>
+            <a:r>
+              <a:rPr lang="ja-JP" altLang="en-US" dirty="0"/>
+              <a:t>→計算結果の平均又は重みづけで平均を取る</a:t>
+            </a:r>
+            <a:endParaRPr lang="en-US" altLang="ja-JP" dirty="0"/>
+          </a:p>
+          <a:p>
+            <a:endParaRPr kumimoji="1" lang="en-US" altLang="ja-JP" dirty="0"/>
+          </a:p>
+          <a:p>
+            <a:r>
+              <a:rPr kumimoji="1" lang="ja-JP" altLang="en-US" dirty="0"/>
+              <a:t>一番単純な方法が、全て足してカーネル数で割る、単純平均</a:t>
+            </a:r>
+          </a:p>
+        </p:txBody>
+      </p:sp>
+    </p:spTree>
+    <p:extLst>
+      <p:ext uri="{BB962C8B-B14F-4D97-AF65-F5344CB8AC3E}">
+        <p14:creationId xmlns:p14="http://schemas.microsoft.com/office/powerpoint/2010/main" val="4254239750"/>
       </p:ext>
     </p:extLst>
   </p:cSld>

--- a/デモスライド.pptx
+++ b/デモスライド.pptx
@@ -21,6 +21,8 @@
     <p:sldId id="269" r:id="rId15"/>
     <p:sldId id="270" r:id="rId16"/>
     <p:sldId id="271" r:id="rId17"/>
+    <p:sldId id="272" r:id="rId18"/>
+    <p:sldId id="273" r:id="rId19"/>
   </p:sldIdLst>
   <p:sldSz cx="12192000" cy="6858000"/>
   <p:notesSz cx="6858000" cy="9144000"/>
@@ -5062,6 +5064,361 @@
     <p:extLst>
       <p:ext uri="{BB962C8B-B14F-4D97-AF65-F5344CB8AC3E}">
         <p14:creationId xmlns:p14="http://schemas.microsoft.com/office/powerpoint/2010/main" val="1880178381"/>
+      </p:ext>
+    </p:extLst>
+  </p:cSld>
+  <p:clrMapOvr>
+    <a:masterClrMapping/>
+  </p:clrMapOvr>
+</p:sld>
+</file>
+
+<file path=ppt/slides/slide17.xml><?xml version="1.0" encoding="utf-8"?>
+<p:sld xmlns:a="http://schemas.openxmlformats.org/drawingml/2006/main" xmlns:r="http://schemas.openxmlformats.org/officeDocument/2006/relationships" xmlns:p="http://schemas.openxmlformats.org/presentationml/2006/main">
+  <p:cSld>
+    <p:spTree>
+      <p:nvGrpSpPr>
+        <p:cNvPr id="1" name=""/>
+        <p:cNvGrpSpPr/>
+        <p:nvPr/>
+      </p:nvGrpSpPr>
+      <p:grpSpPr>
+        <a:xfrm>
+          <a:off x="0" y="0"/>
+          <a:ext cx="0" cy="0"/>
+          <a:chOff x="0" y="0"/>
+          <a:chExt cx="0" cy="0"/>
+        </a:xfrm>
+      </p:grpSpPr>
+      <p:sp>
+        <p:nvSpPr>
+          <p:cNvPr id="2" name="タイトル 1">
+            <a:extLst>
+              <a:ext uri="{FF2B5EF4-FFF2-40B4-BE49-F238E27FC236}">
+                <a16:creationId xmlns:a16="http://schemas.microsoft.com/office/drawing/2014/main" id="{9B47D377-510A-A9E2-6D63-266033D9C8DC}"/>
+              </a:ext>
+            </a:extLst>
+          </p:cNvPr>
+          <p:cNvSpPr>
+            <a:spLocks noGrp="1"/>
+          </p:cNvSpPr>
+          <p:nvPr>
+            <p:ph type="title"/>
+          </p:nvPr>
+        </p:nvSpPr>
+        <p:spPr/>
+        <p:txBody>
+          <a:bodyPr/>
+          <a:lstStyle/>
+          <a:p>
+            <a:r>
+              <a:rPr kumimoji="1" lang="ja-JP" altLang="en-US" dirty="0"/>
+              <a:t>音声認識</a:t>
+            </a:r>
+          </a:p>
+        </p:txBody>
+      </p:sp>
+      <p:sp>
+        <p:nvSpPr>
+          <p:cNvPr id="3" name="コンテンツ プレースホルダー 2">
+            <a:extLst>
+              <a:ext uri="{FF2B5EF4-FFF2-40B4-BE49-F238E27FC236}">
+                <a16:creationId xmlns:a16="http://schemas.microsoft.com/office/drawing/2014/main" id="{695ECE7F-5A5C-C845-1129-30A62BD9BAA6}"/>
+              </a:ext>
+            </a:extLst>
+          </p:cNvPr>
+          <p:cNvSpPr>
+            <a:spLocks noGrp="1"/>
+          </p:cNvSpPr>
+          <p:nvPr>
+            <p:ph idx="1"/>
+          </p:nvPr>
+        </p:nvSpPr>
+        <p:spPr/>
+        <p:txBody>
+          <a:bodyPr/>
+          <a:lstStyle/>
+          <a:p>
+            <a:r>
+              <a:rPr kumimoji="1" lang="ja-JP" altLang="en-US" dirty="0"/>
+              <a:t>音声についても、特徴量が得られれば分類できる</a:t>
+            </a:r>
+            <a:endParaRPr kumimoji="1" lang="en-US" altLang="ja-JP" dirty="0"/>
+          </a:p>
+          <a:p>
+            <a:r>
+              <a:rPr lang="ja-JP" altLang="en-US" dirty="0"/>
+              <a:t>使用例：</a:t>
+            </a:r>
+            <a:endParaRPr lang="en-US" altLang="ja-JP" dirty="0"/>
+          </a:p>
+          <a:p>
+            <a:r>
+              <a:rPr kumimoji="1" lang="en-US" altLang="ja-JP" dirty="0"/>
+              <a:t>MFCC</a:t>
+            </a:r>
+            <a:r>
+              <a:rPr kumimoji="1" lang="ja-JP" altLang="en-US" dirty="0"/>
+              <a:t>（</a:t>
+            </a:r>
+            <a:r>
+              <a:rPr kumimoji="1" lang="en-US" altLang="ja-JP" dirty="0"/>
+              <a:t>Mel-Frequency Cepstral Coefficients</a:t>
+            </a:r>
+            <a:r>
+              <a:rPr kumimoji="1" lang="ja-JP" altLang="en-US" dirty="0"/>
+              <a:t>：メル周波数ケプストラム係数）</a:t>
+            </a:r>
+            <a:endParaRPr kumimoji="1" lang="en-US" altLang="ja-JP" dirty="0"/>
+          </a:p>
+          <a:p>
+            <a:r>
+              <a:rPr lang="ja-JP" altLang="en-US" dirty="0"/>
+              <a:t>→音の「質感」や「母音らしさ」を数値化</a:t>
+            </a:r>
+            <a:endParaRPr lang="en-US" altLang="ja-JP" dirty="0"/>
+          </a:p>
+          <a:p>
+            <a:endParaRPr kumimoji="1" lang="en-US" altLang="ja-JP" dirty="0"/>
+          </a:p>
+          <a:p>
+            <a:r>
+              <a:rPr lang="ja-JP" altLang="en-US" dirty="0"/>
+              <a:t>これをカーネルいれて、母音判定器の作成</a:t>
+            </a:r>
+            <a:endParaRPr kumimoji="1" lang="ja-JP" altLang="en-US" dirty="0"/>
+          </a:p>
+        </p:txBody>
+      </p:sp>
+    </p:spTree>
+    <p:extLst>
+      <p:ext uri="{BB962C8B-B14F-4D97-AF65-F5344CB8AC3E}">
+        <p14:creationId xmlns:p14="http://schemas.microsoft.com/office/powerpoint/2010/main" val="2110470772"/>
+      </p:ext>
+    </p:extLst>
+  </p:cSld>
+  <p:clrMapOvr>
+    <a:masterClrMapping/>
+  </p:clrMapOvr>
+</p:sld>
+</file>
+
+<file path=ppt/slides/slide18.xml><?xml version="1.0" encoding="utf-8"?>
+<p:sld xmlns:a="http://schemas.openxmlformats.org/drawingml/2006/main" xmlns:r="http://schemas.openxmlformats.org/officeDocument/2006/relationships" xmlns:p="http://schemas.openxmlformats.org/presentationml/2006/main">
+  <p:cSld>
+    <p:spTree>
+      <p:nvGrpSpPr>
+        <p:cNvPr id="1" name=""/>
+        <p:cNvGrpSpPr/>
+        <p:nvPr/>
+      </p:nvGrpSpPr>
+      <p:grpSpPr>
+        <a:xfrm>
+          <a:off x="0" y="0"/>
+          <a:ext cx="0" cy="0"/>
+          <a:chOff x="0" y="0"/>
+          <a:chExt cx="0" cy="0"/>
+        </a:xfrm>
+      </p:grpSpPr>
+      <p:sp>
+        <p:nvSpPr>
+          <p:cNvPr id="2" name="タイトル 1">
+            <a:extLst>
+              <a:ext uri="{FF2B5EF4-FFF2-40B4-BE49-F238E27FC236}">
+                <a16:creationId xmlns:a16="http://schemas.microsoft.com/office/drawing/2014/main" id="{FC32C2AF-E2F6-E86B-090D-65A8628C9953}"/>
+              </a:ext>
+            </a:extLst>
+          </p:cNvPr>
+          <p:cNvSpPr>
+            <a:spLocks noGrp="1"/>
+          </p:cNvSpPr>
+          <p:nvPr>
+            <p:ph type="title"/>
+          </p:nvPr>
+        </p:nvSpPr>
+        <p:spPr/>
+        <p:txBody>
+          <a:bodyPr/>
+          <a:lstStyle/>
+          <a:p>
+            <a:r>
+              <a:rPr kumimoji="1" lang="ja-JP" altLang="en-US" dirty="0"/>
+              <a:t>音声認識例</a:t>
+            </a:r>
+          </a:p>
+        </p:txBody>
+      </p:sp>
+      <p:sp>
+        <p:nvSpPr>
+          <p:cNvPr id="3" name="コンテンツ プレースホルダー 2">
+            <a:extLst>
+              <a:ext uri="{FF2B5EF4-FFF2-40B4-BE49-F238E27FC236}">
+                <a16:creationId xmlns:a16="http://schemas.microsoft.com/office/drawing/2014/main" id="{9BFFBA27-B6E3-CE8D-ABBE-50B49B4B5372}"/>
+              </a:ext>
+            </a:extLst>
+          </p:cNvPr>
+          <p:cNvSpPr>
+            <a:spLocks noGrp="1"/>
+          </p:cNvSpPr>
+          <p:nvPr>
+            <p:ph idx="1"/>
+          </p:nvPr>
+        </p:nvSpPr>
+        <p:spPr/>
+        <p:txBody>
+          <a:bodyPr>
+            <a:normAutofit fontScale="92500" lnSpcReduction="20000"/>
+          </a:bodyPr>
+          <a:lstStyle/>
+          <a:p>
+            <a:r>
+              <a:rPr lang="en-US" altLang="ja-JP" dirty="0"/>
+              <a:t>A,I,U,E,O</a:t>
+            </a:r>
+            <a:r>
+              <a:rPr kumimoji="1" lang="en-US" altLang="ja-JP" dirty="0"/>
+              <a:t> </a:t>
+            </a:r>
+            <a:r>
+              <a:rPr kumimoji="1" lang="ja-JP" altLang="en-US" dirty="0"/>
+              <a:t>の音声データを５つずつ訓練セットとして用意</a:t>
+            </a:r>
+            <a:endParaRPr kumimoji="1" lang="en-US" altLang="ja-JP" dirty="0"/>
+          </a:p>
+          <a:p>
+            <a:endParaRPr lang="en-US" altLang="ja-JP" dirty="0"/>
+          </a:p>
+          <a:p>
+            <a:r>
+              <a:rPr kumimoji="1" lang="en-US" altLang="ja-JP" dirty="0"/>
+              <a:t>MFCC</a:t>
+            </a:r>
+            <a:r>
+              <a:rPr lang="ja-JP" altLang="en-US" dirty="0"/>
+              <a:t>で特徴抽出</a:t>
+            </a:r>
+            <a:endParaRPr lang="en-US" altLang="ja-JP" dirty="0"/>
+          </a:p>
+          <a:p>
+            <a:r>
+              <a:rPr kumimoji="1" lang="en-US" altLang="ja-JP" dirty="0"/>
+              <a:t>Linear</a:t>
+            </a:r>
+            <a:r>
+              <a:rPr kumimoji="1" lang="ja-JP" altLang="en-US" dirty="0"/>
+              <a:t>で分類</a:t>
+            </a:r>
+            <a:endParaRPr kumimoji="1" lang="en-US" altLang="ja-JP" dirty="0"/>
+          </a:p>
+          <a:p>
+            <a:r>
+              <a:rPr kumimoji="1" lang="ja-JP" altLang="en-US" dirty="0"/>
+              <a:t>結果</a:t>
+            </a:r>
+            <a:endParaRPr kumimoji="1" lang="en-US" altLang="ja-JP" dirty="0"/>
+          </a:p>
+          <a:p>
+            <a:r>
+              <a:rPr lang="ja-JP" altLang="en-US" dirty="0"/>
+              <a:t>🎤 テスト音声 テストい</a:t>
+            </a:r>
+            <a:r>
+              <a:rPr lang="en-US" altLang="ja-JP" dirty="0"/>
+              <a:t>.wav </a:t>
+            </a:r>
+            <a:r>
+              <a:rPr lang="ja-JP" altLang="en-US" dirty="0"/>
+              <a:t>の予測結果</a:t>
+            </a:r>
+            <a:r>
+              <a:rPr lang="en-US" altLang="ja-JP" dirty="0"/>
+              <a:t>: </a:t>
+            </a:r>
+            <a:r>
+              <a:rPr lang="en-US" altLang="ja-JP" dirty="0" err="1"/>
+              <a:t>i</a:t>
+            </a:r>
+            <a:endParaRPr lang="en-US" altLang="ja-JP" dirty="0"/>
+          </a:p>
+          <a:p>
+            <a:r>
+              <a:rPr lang="ja-JP" altLang="en-US" dirty="0"/>
+              <a:t>🎤 テスト音声 テストう</a:t>
+            </a:r>
+            <a:r>
+              <a:rPr lang="en-US" altLang="ja-JP" dirty="0"/>
+              <a:t>.wav </a:t>
+            </a:r>
+            <a:r>
+              <a:rPr lang="ja-JP" altLang="en-US" dirty="0"/>
+              <a:t>の予測結果</a:t>
+            </a:r>
+            <a:r>
+              <a:rPr lang="en-US" altLang="ja-JP" dirty="0"/>
+              <a:t>: u</a:t>
+            </a:r>
+          </a:p>
+          <a:p>
+            <a:r>
+              <a:rPr lang="ja-JP" altLang="en-US" dirty="0"/>
+              <a:t>🎤 テスト音声 テストあ</a:t>
+            </a:r>
+            <a:r>
+              <a:rPr lang="en-US" altLang="ja-JP" dirty="0"/>
+              <a:t>.wav </a:t>
+            </a:r>
+            <a:r>
+              <a:rPr lang="ja-JP" altLang="en-US" dirty="0"/>
+              <a:t>の予測結果</a:t>
+            </a:r>
+            <a:r>
+              <a:rPr lang="en-US" altLang="ja-JP" dirty="0"/>
+              <a:t>: a</a:t>
+            </a:r>
+          </a:p>
+          <a:p>
+            <a:r>
+              <a:rPr lang="ja-JP" altLang="en-US" dirty="0"/>
+              <a:t>🎤 テスト音声 テストえ</a:t>
+            </a:r>
+            <a:r>
+              <a:rPr lang="en-US" altLang="ja-JP" dirty="0"/>
+              <a:t>.wav </a:t>
+            </a:r>
+            <a:r>
+              <a:rPr lang="ja-JP" altLang="en-US" dirty="0"/>
+              <a:t>の予測結果</a:t>
+            </a:r>
+            <a:r>
+              <a:rPr lang="en-US" altLang="ja-JP" dirty="0"/>
+              <a:t>: e</a:t>
+            </a:r>
+          </a:p>
+          <a:p>
+            <a:r>
+              <a:rPr lang="ja-JP" altLang="en-US" dirty="0"/>
+              <a:t>🎤 テスト音声 テストお</a:t>
+            </a:r>
+            <a:r>
+              <a:rPr lang="en-US" altLang="ja-JP" dirty="0"/>
+              <a:t>.wav </a:t>
+            </a:r>
+            <a:r>
+              <a:rPr lang="ja-JP" altLang="en-US" dirty="0"/>
+              <a:t>の予測結果</a:t>
+            </a:r>
+            <a:r>
+              <a:rPr lang="en-US" altLang="ja-JP" dirty="0"/>
+              <a:t>: o</a:t>
+            </a:r>
+            <a:endParaRPr kumimoji="1" lang="ja-JP" altLang="en-US" dirty="0"/>
+          </a:p>
+        </p:txBody>
+      </p:sp>
+    </p:spTree>
+    <p:extLst>
+      <p:ext uri="{BB962C8B-B14F-4D97-AF65-F5344CB8AC3E}">
+        <p14:creationId xmlns:p14="http://schemas.microsoft.com/office/powerpoint/2010/main" val="3561867669"/>
       </p:ext>
     </p:extLst>
   </p:cSld>
